--- a/documentation/Java training 01 - Version control.pptx
+++ b/documentation/Java training 01 - Version control.pptx
@@ -26,8 +26,7 @@
     <p:sldId id="276" r:id="rId20"/>
     <p:sldId id="277" r:id="rId21"/>
     <p:sldId id="278" r:id="rId22"/>
-    <p:sldId id="279" r:id="rId23"/>
-    <p:sldId id="258" r:id="rId24"/>
+    <p:sldId id="258" r:id="rId23"/>
   </p:sldIdLst>
   <p:sldSz cx="9144000" cy="5143500" type="screen16x9"/>
   <p:notesSz cx="6858000" cy="9144000"/>
@@ -276,7 +275,7 @@
           <a:p>
             <a:fld id="{C6E8B002-83F0-41C5-A7B7-2819A96BD9B2}" type="datetimeFigureOut">
               <a:rPr lang="hu-HU" smtClean="0"/>
-              <a:t>2015.10.01.</a:t>
+              <a:t>2015.10.02.</a:t>
             </a:fld>
             <a:endParaRPr lang="hu-HU"/>
           </a:p>
@@ -446,7 +445,7 @@
           <a:p>
             <a:fld id="{C6E8B002-83F0-41C5-A7B7-2819A96BD9B2}" type="datetimeFigureOut">
               <a:rPr lang="hu-HU" smtClean="0"/>
-              <a:t>2015.10.01.</a:t>
+              <a:t>2015.10.02.</a:t>
             </a:fld>
             <a:endParaRPr lang="hu-HU"/>
           </a:p>
@@ -626,7 +625,7 @@
           <a:p>
             <a:fld id="{C6E8B002-83F0-41C5-A7B7-2819A96BD9B2}" type="datetimeFigureOut">
               <a:rPr lang="hu-HU" smtClean="0"/>
-              <a:t>2015.10.01.</a:t>
+              <a:t>2015.10.02.</a:t>
             </a:fld>
             <a:endParaRPr lang="hu-HU"/>
           </a:p>
@@ -796,7 +795,7 @@
           <a:p>
             <a:fld id="{C6E8B002-83F0-41C5-A7B7-2819A96BD9B2}" type="datetimeFigureOut">
               <a:rPr lang="hu-HU" smtClean="0"/>
-              <a:t>2015.10.01.</a:t>
+              <a:t>2015.10.02.</a:t>
             </a:fld>
             <a:endParaRPr lang="hu-HU"/>
           </a:p>
@@ -1040,7 +1039,7 @@
           <a:p>
             <a:fld id="{C6E8B002-83F0-41C5-A7B7-2819A96BD9B2}" type="datetimeFigureOut">
               <a:rPr lang="hu-HU" smtClean="0"/>
-              <a:t>2015.10.01.</a:t>
+              <a:t>2015.10.02.</a:t>
             </a:fld>
             <a:endParaRPr lang="hu-HU"/>
           </a:p>
@@ -1272,7 +1271,7 @@
           <a:p>
             <a:fld id="{C6E8B002-83F0-41C5-A7B7-2819A96BD9B2}" type="datetimeFigureOut">
               <a:rPr lang="hu-HU" smtClean="0"/>
-              <a:t>2015.10.01.</a:t>
+              <a:t>2015.10.02.</a:t>
             </a:fld>
             <a:endParaRPr lang="hu-HU"/>
           </a:p>
@@ -1639,7 +1638,7 @@
           <a:p>
             <a:fld id="{C6E8B002-83F0-41C5-A7B7-2819A96BD9B2}" type="datetimeFigureOut">
               <a:rPr lang="hu-HU" smtClean="0"/>
-              <a:t>2015.10.01.</a:t>
+              <a:t>2015.10.02.</a:t>
             </a:fld>
             <a:endParaRPr lang="hu-HU"/>
           </a:p>
@@ -1757,7 +1756,7 @@
           <a:p>
             <a:fld id="{C6E8B002-83F0-41C5-A7B7-2819A96BD9B2}" type="datetimeFigureOut">
               <a:rPr lang="hu-HU" smtClean="0"/>
-              <a:t>2015.10.01.</a:t>
+              <a:t>2015.10.02.</a:t>
             </a:fld>
             <a:endParaRPr lang="hu-HU"/>
           </a:p>
@@ -1852,7 +1851,7 @@
           <a:p>
             <a:fld id="{C6E8B002-83F0-41C5-A7B7-2819A96BD9B2}" type="datetimeFigureOut">
               <a:rPr lang="hu-HU" smtClean="0"/>
-              <a:t>2015.10.01.</a:t>
+              <a:t>2015.10.02.</a:t>
             </a:fld>
             <a:endParaRPr lang="hu-HU"/>
           </a:p>
@@ -2129,7 +2128,7 @@
           <a:p>
             <a:fld id="{C6E8B002-83F0-41C5-A7B7-2819A96BD9B2}" type="datetimeFigureOut">
               <a:rPr lang="hu-HU" smtClean="0"/>
-              <a:t>2015.10.01.</a:t>
+              <a:t>2015.10.02.</a:t>
             </a:fld>
             <a:endParaRPr lang="hu-HU"/>
           </a:p>
@@ -2386,7 +2385,7 @@
           <a:p>
             <a:fld id="{C6E8B002-83F0-41C5-A7B7-2819A96BD9B2}" type="datetimeFigureOut">
               <a:rPr lang="hu-HU" smtClean="0"/>
-              <a:t>2015.10.01.</a:t>
+              <a:t>2015.10.02.</a:t>
             </a:fld>
             <a:endParaRPr lang="hu-HU"/>
           </a:p>
@@ -2606,7 +2605,7 @@
           <a:p>
             <a:fld id="{C6E8B002-83F0-41C5-A7B7-2819A96BD9B2}" type="datetimeFigureOut">
               <a:rPr lang="hu-HU" smtClean="0"/>
-              <a:t>2015.10.01.</a:t>
+              <a:t>2015.10.02.</a:t>
             </a:fld>
             <a:endParaRPr lang="hu-HU"/>
           </a:p>
@@ -4805,16 +4804,12 @@
               <a:buChar char="•"/>
             </a:pPr>
             <a:r>
+              <a:rPr lang="hu-HU" dirty="0" smtClean="0"/>
+              <a:t>„Verziókezelés</a:t>
+            </a:r>
+            <a:r>
               <a:rPr lang="hu-HU" dirty="0"/>
-              <a:t>„</a:t>
-            </a:r>
-            <a:r>
-              <a:rPr lang="hu-HU" b="1" dirty="0"/>
-              <a:t> </a:t>
-            </a:r>
-            <a:r>
-              <a:rPr lang="hu-HU" dirty="0"/>
-              <a:t>Verziókezelés alatt több verzióval rendelkező adatok kezelését értjük.”</a:t>
+              <a:t> alatt több verzióval rendelkező adatok kezelését értjük.”</a:t>
             </a:r>
           </a:p>
           <a:p>
@@ -5204,158 +5199,6 @@
 <file path=ppt/slides/slide22.xml><?xml version="1.0" encoding="utf-8"?>
 <p:sld xmlns:a="http://schemas.openxmlformats.org/drawingml/2006/main" xmlns:r="http://schemas.openxmlformats.org/officeDocument/2006/relationships" xmlns:p="http://schemas.openxmlformats.org/presentationml/2006/main">
   <p:cSld>
-    <p:spTree>
-      <p:nvGrpSpPr>
-        <p:cNvPr id="1" name=""/>
-        <p:cNvGrpSpPr/>
-        <p:nvPr/>
-      </p:nvGrpSpPr>
-      <p:grpSpPr>
-        <a:xfrm>
-          <a:off x="0" y="0"/>
-          <a:ext cx="0" cy="0"/>
-          <a:chOff x="0" y="0"/>
-          <a:chExt cx="0" cy="0"/>
-        </a:xfrm>
-      </p:grpSpPr>
-      <p:sp>
-        <p:nvSpPr>
-          <p:cNvPr id="2" name="Cím 1"/>
-          <p:cNvSpPr>
-            <a:spLocks noGrp="1"/>
-          </p:cNvSpPr>
-          <p:nvPr>
-            <p:ph type="ctrTitle"/>
-          </p:nvPr>
-        </p:nvSpPr>
-        <p:spPr>
-          <a:xfrm>
-            <a:off x="7521394" y="67963"/>
-            <a:ext cx="1548465" cy="583469"/>
-          </a:xfrm>
-        </p:spPr>
-        <p:txBody>
-          <a:bodyPr>
-            <a:normAutofit fontScale="90000"/>
-          </a:bodyPr>
-          <a:lstStyle/>
-          <a:p>
-            <a:r>
-              <a:rPr lang="hu-HU" sz="1800" dirty="0" smtClean="0"/>
-              <a:t>Java EE - Verziókezelés</a:t>
-            </a:r>
-            <a:endParaRPr lang="hu-HU" sz="1800" dirty="0"/>
-          </a:p>
-        </p:txBody>
-      </p:sp>
-      <p:sp>
-        <p:nvSpPr>
-          <p:cNvPr id="3" name="Alcím 2"/>
-          <p:cNvSpPr>
-            <a:spLocks noGrp="1"/>
-          </p:cNvSpPr>
-          <p:nvPr>
-            <p:ph type="subTitle" idx="1"/>
-          </p:nvPr>
-        </p:nvSpPr>
-        <p:spPr>
-          <a:xfrm>
-            <a:off x="238898" y="858795"/>
-            <a:ext cx="8626242" cy="434696"/>
-          </a:xfrm>
-        </p:spPr>
-        <p:txBody>
-          <a:bodyPr>
-            <a:normAutofit/>
-          </a:bodyPr>
-          <a:lstStyle/>
-          <a:p>
-            <a:pPr algn="l"/>
-            <a:r>
-              <a:rPr lang="hu-HU" dirty="0" smtClean="0">
-                <a:latin typeface="+mj-lt"/>
-              </a:rPr>
-              <a:t>A </a:t>
-            </a:r>
-            <a:r>
-              <a:rPr lang="hu-HU" dirty="0" err="1" smtClean="0">
-                <a:latin typeface="+mj-lt"/>
-              </a:rPr>
-              <a:t>slide</a:t>
-            </a:r>
-            <a:r>
-              <a:rPr lang="hu-HU" dirty="0" smtClean="0">
-                <a:latin typeface="+mj-lt"/>
-              </a:rPr>
-              <a:t> címe ide jöhet</a:t>
-            </a:r>
-            <a:endParaRPr lang="hu-HU" dirty="0">
-              <a:latin typeface="+mj-lt"/>
-            </a:endParaRPr>
-          </a:p>
-        </p:txBody>
-      </p:sp>
-      <p:sp>
-        <p:nvSpPr>
-          <p:cNvPr id="4" name="TextBox 3"/>
-          <p:cNvSpPr txBox="1"/>
-          <p:nvPr/>
-        </p:nvSpPr>
-        <p:spPr>
-          <a:xfrm>
-            <a:off x="238898" y="1500854"/>
-            <a:ext cx="8626242" cy="369332"/>
-          </a:xfrm>
-          <a:prstGeom prst="rect">
-            <a:avLst/>
-          </a:prstGeom>
-          <a:noFill/>
-        </p:spPr>
-        <p:txBody>
-          <a:bodyPr wrap="square" rtlCol="0">
-            <a:spAutoFit/>
-          </a:bodyPr>
-          <a:lstStyle/>
-          <a:p>
-            <a:pPr marL="285750" indent="-285750">
-              <a:buFont typeface="Arial" panose="020B0604020202020204" pitchFamily="34" charset="0"/>
-              <a:buChar char="•"/>
-            </a:pPr>
-            <a:r>
-              <a:rPr lang="hu-HU" dirty="0" err="1" smtClean="0"/>
-              <a:t>Slide</a:t>
-            </a:r>
-            <a:r>
-              <a:rPr lang="hu-HU" dirty="0" smtClean="0"/>
-              <a:t> tartalma</a:t>
-            </a:r>
-            <a:endParaRPr lang="en-US" dirty="0"/>
-          </a:p>
-        </p:txBody>
-      </p:sp>
-    </p:spTree>
-    <p:extLst>
-      <p:ext uri="{BB962C8B-B14F-4D97-AF65-F5344CB8AC3E}">
-        <p14:creationId xmlns:p14="http://schemas.microsoft.com/office/powerpoint/2010/main" val="1007422818"/>
-      </p:ext>
-    </p:extLst>
-  </p:cSld>
-  <p:clrMapOvr>
-    <a:masterClrMapping/>
-  </p:clrMapOvr>
-  <p:timing>
-    <p:tnLst>
-      <p:par>
-        <p:cTn id="1" dur="indefinite" restart="never" nodeType="tmRoot"/>
-      </p:par>
-    </p:tnLst>
-  </p:timing>
-</p:sld>
-</file>
-
-<file path=ppt/slides/slide23.xml><?xml version="1.0" encoding="utf-8"?>
-<p:sld xmlns:a="http://schemas.openxmlformats.org/drawingml/2006/main" xmlns:r="http://schemas.openxmlformats.org/officeDocument/2006/relationships" xmlns:p="http://schemas.openxmlformats.org/presentationml/2006/main">
-  <p:cSld>
     <p:bg>
       <p:bgPr>
         <a:blipFill dpi="0" rotWithShape="1">
@@ -5930,7 +5773,15 @@
             </a:pPr>
             <a:r>
               <a:rPr lang="hu-HU" dirty="0"/>
-              <a:t>A fájlok a szerkesztés közben mentésre kerülnek, és bármikor visszaállíthatók.</a:t>
+              <a:t>A fájlok </a:t>
+            </a:r>
+            <a:r>
+              <a:rPr lang="hu-HU" dirty="0" smtClean="0"/>
+              <a:t>egyes verziói </a:t>
+            </a:r>
+            <a:r>
+              <a:rPr lang="hu-HU" dirty="0"/>
+              <a:t>mentésre kerülnek, és bármikor visszaállíthatók.</a:t>
             </a:r>
           </a:p>
           <a:p>
@@ -5939,13 +5790,10 @@
               <a:buChar char="•"/>
             </a:pPr>
             <a:r>
-              <a:rPr lang="hu-HU" b="1" dirty="0" err="1"/>
+              <a:rPr lang="hu-HU" b="1" dirty="0" err="1" smtClean="0"/>
               <a:t>Szinkronizáció</a:t>
             </a:r>
-            <a:r>
-              <a:rPr lang="hu-HU" dirty="0"/>
-              <a:t>.</a:t>
-            </a:r>
+            <a:endParaRPr lang="hu-HU" dirty="0"/>
           </a:p>
           <a:p>
             <a:pPr marL="742950" lvl="1" indent="-285750">
@@ -6939,7 +6787,11 @@
             </a:pPr>
             <a:r>
               <a:rPr lang="hu-HU" dirty="0"/>
-              <a:t>Adatok lekérése a központi </a:t>
+              <a:t>Adatok lekérése a </a:t>
+            </a:r>
+            <a:r>
+              <a:rPr lang="hu-HU" dirty="0" smtClean="0"/>
+              <a:t>távoli </a:t>
             </a:r>
             <a:r>
               <a:rPr lang="hu-HU" dirty="0" err="1"/>
@@ -6971,10 +6823,14 @@
             </a:pPr>
             <a:r>
               <a:rPr lang="hu-HU" dirty="0"/>
-              <a:t>Adatok feltöltése a központi </a:t>
-            </a:r>
-            <a:r>
-              <a:rPr lang="hu-HU" dirty="0" err="1"/>
+              <a:t>Adatok feltöltése a </a:t>
+            </a:r>
+            <a:r>
+              <a:rPr lang="hu-HU" dirty="0" smtClean="0"/>
+              <a:t>távoli </a:t>
+            </a:r>
+            <a:r>
+              <a:rPr lang="hu-HU" dirty="0" err="1" smtClean="0"/>
               <a:t>repository-ba</a:t>
             </a:r>
             <a:r>
